--- a/ppt 16-9/1501.坐在宝座上圣.pptx
+++ b/ppt 16-9/1501.坐在宝座上圣.pptx
@@ -129,7 +129,7 @@
           <p:cNvPr id="2" name="标题 1">
             <a:extLst>
               <a:ext uri="{FF2B5EF4-FFF2-40B4-BE49-F238E27FC236}">
-                <a16:creationId xmlns:a16="http://schemas.microsoft.com/office/drawing/2014/main" id="{E82A6E6A-5396-8B57-05EB-83CA5DF93DFE}"/>
+                <a16:creationId xmlns:a16="http://schemas.microsoft.com/office/drawing/2014/main" id="{8ED2F88D-32EA-F617-B874-160868E77744}"/>
               </a:ext>
             </a:extLst>
           </p:cNvPr>
@@ -166,7 +166,7 @@
           <p:cNvPr id="3" name="副标题 2">
             <a:extLst>
               <a:ext uri="{FF2B5EF4-FFF2-40B4-BE49-F238E27FC236}">
-                <a16:creationId xmlns:a16="http://schemas.microsoft.com/office/drawing/2014/main" id="{02CB3C7A-1EE9-3B92-6D46-3A0BB13724ED}"/>
+                <a16:creationId xmlns:a16="http://schemas.microsoft.com/office/drawing/2014/main" id="{D6BD29EB-3C51-C837-BD03-C66F955F4B6C}"/>
               </a:ext>
             </a:extLst>
           </p:cNvPr>
@@ -236,7 +236,7 @@
           <p:cNvPr id="4" name="日期占位符 3">
             <a:extLst>
               <a:ext uri="{FF2B5EF4-FFF2-40B4-BE49-F238E27FC236}">
-                <a16:creationId xmlns:a16="http://schemas.microsoft.com/office/drawing/2014/main" id="{67B89907-6E30-72CE-31AA-A99556238965}"/>
+                <a16:creationId xmlns:a16="http://schemas.microsoft.com/office/drawing/2014/main" id="{A23C7BAA-5FD8-09A1-90CC-C443EBDA4E0B}"/>
               </a:ext>
             </a:extLst>
           </p:cNvPr>
@@ -252,7 +252,7 @@
           <a:bodyPr/>
           <a:lstStyle/>
           <a:p>
-            <a:fld id="{54D3B292-75D1-4659-8CFE-A4907977A576}" type="datetimeFigureOut">
+            <a:fld id="{F2241063-AA24-4C00-9B1C-1ECE253B0832}" type="datetimeFigureOut">
               <a:rPr lang="zh-CN" altLang="en-US" smtClean="0"/>
               <a:t>2024/3/10</a:t>
             </a:fld>
@@ -265,7 +265,7 @@
           <p:cNvPr id="5" name="页脚占位符 4">
             <a:extLst>
               <a:ext uri="{FF2B5EF4-FFF2-40B4-BE49-F238E27FC236}">
-                <a16:creationId xmlns:a16="http://schemas.microsoft.com/office/drawing/2014/main" id="{D2D0A3D5-4147-725F-F3BE-EE08BBB80AD4}"/>
+                <a16:creationId xmlns:a16="http://schemas.microsoft.com/office/drawing/2014/main" id="{242DA3B7-979E-AFF4-CF13-FDB08BB85F7B}"/>
               </a:ext>
             </a:extLst>
           </p:cNvPr>
@@ -290,7 +290,7 @@
           <p:cNvPr id="6" name="灯片编号占位符 5">
             <a:extLst>
               <a:ext uri="{FF2B5EF4-FFF2-40B4-BE49-F238E27FC236}">
-                <a16:creationId xmlns:a16="http://schemas.microsoft.com/office/drawing/2014/main" id="{5C5D9302-6EF7-3DEA-0DBB-0EE4451A5BE9}"/>
+                <a16:creationId xmlns:a16="http://schemas.microsoft.com/office/drawing/2014/main" id="{C81A7F45-185F-BBE1-C8E7-532F737D548A}"/>
               </a:ext>
             </a:extLst>
           </p:cNvPr>
@@ -306,7 +306,7 @@
           <a:bodyPr/>
           <a:lstStyle/>
           <a:p>
-            <a:fld id="{76070CE3-68DD-4FE7-BDF0-A4A128997FC1}" type="slidenum">
+            <a:fld id="{3845E19E-D715-49EA-83C1-543F6ED934BF}" type="slidenum">
               <a:rPr lang="zh-CN" altLang="en-US" smtClean="0"/>
               <a:t>‹#›</a:t>
             </a:fld>
@@ -317,7 +317,7 @@
     </p:spTree>
     <p:extLst>
       <p:ext uri="{BB962C8B-B14F-4D97-AF65-F5344CB8AC3E}">
-        <p14:creationId xmlns:p14="http://schemas.microsoft.com/office/powerpoint/2010/main" val="3328200667"/>
+        <p14:creationId xmlns:p14="http://schemas.microsoft.com/office/powerpoint/2010/main" val="3931247918"/>
       </p:ext>
     </p:extLst>
   </p:cSld>
@@ -349,7 +349,7 @@
           <p:cNvPr id="2" name="标题 1">
             <a:extLst>
               <a:ext uri="{FF2B5EF4-FFF2-40B4-BE49-F238E27FC236}">
-                <a16:creationId xmlns:a16="http://schemas.microsoft.com/office/drawing/2014/main" id="{BD231070-908A-FDA0-64EE-445299A64340}"/>
+                <a16:creationId xmlns:a16="http://schemas.microsoft.com/office/drawing/2014/main" id="{D1174BE9-9754-A570-70D7-17BB27523A06}"/>
               </a:ext>
             </a:extLst>
           </p:cNvPr>
@@ -377,7 +377,7 @@
           <p:cNvPr id="3" name="竖排文字占位符 2">
             <a:extLst>
               <a:ext uri="{FF2B5EF4-FFF2-40B4-BE49-F238E27FC236}">
-                <a16:creationId xmlns:a16="http://schemas.microsoft.com/office/drawing/2014/main" id="{EAA3A05D-09B9-CF3C-504C-E96F946AC464}"/>
+                <a16:creationId xmlns:a16="http://schemas.microsoft.com/office/drawing/2014/main" id="{3BFA83A0-E205-0445-669B-6EE9BDF149C3}"/>
               </a:ext>
             </a:extLst>
           </p:cNvPr>
@@ -434,7 +434,7 @@
           <p:cNvPr id="4" name="日期占位符 3">
             <a:extLst>
               <a:ext uri="{FF2B5EF4-FFF2-40B4-BE49-F238E27FC236}">
-                <a16:creationId xmlns:a16="http://schemas.microsoft.com/office/drawing/2014/main" id="{83A1368C-4E3A-9EDD-D41D-5050D11EFF19}"/>
+                <a16:creationId xmlns:a16="http://schemas.microsoft.com/office/drawing/2014/main" id="{2BC54882-44F6-D7C3-59EE-DD24404046C5}"/>
               </a:ext>
             </a:extLst>
           </p:cNvPr>
@@ -450,7 +450,7 @@
           <a:bodyPr/>
           <a:lstStyle/>
           <a:p>
-            <a:fld id="{54D3B292-75D1-4659-8CFE-A4907977A576}" type="datetimeFigureOut">
+            <a:fld id="{F2241063-AA24-4C00-9B1C-1ECE253B0832}" type="datetimeFigureOut">
               <a:rPr lang="zh-CN" altLang="en-US" smtClean="0"/>
               <a:t>2024/3/10</a:t>
             </a:fld>
@@ -463,7 +463,7 @@
           <p:cNvPr id="5" name="页脚占位符 4">
             <a:extLst>
               <a:ext uri="{FF2B5EF4-FFF2-40B4-BE49-F238E27FC236}">
-                <a16:creationId xmlns:a16="http://schemas.microsoft.com/office/drawing/2014/main" id="{BB850FEE-A853-F079-2D04-01CC59EECF56}"/>
+                <a16:creationId xmlns:a16="http://schemas.microsoft.com/office/drawing/2014/main" id="{8BC4C9A8-FEF2-77B4-DB09-AFBBCB622B3E}"/>
               </a:ext>
             </a:extLst>
           </p:cNvPr>
@@ -488,7 +488,7 @@
           <p:cNvPr id="6" name="灯片编号占位符 5">
             <a:extLst>
               <a:ext uri="{FF2B5EF4-FFF2-40B4-BE49-F238E27FC236}">
-                <a16:creationId xmlns:a16="http://schemas.microsoft.com/office/drawing/2014/main" id="{19311015-3548-B1FF-EF0E-C46B9EBC049F}"/>
+                <a16:creationId xmlns:a16="http://schemas.microsoft.com/office/drawing/2014/main" id="{0C0549BB-4712-9B74-3F4A-E9F43787247B}"/>
               </a:ext>
             </a:extLst>
           </p:cNvPr>
@@ -504,7 +504,7 @@
           <a:bodyPr/>
           <a:lstStyle/>
           <a:p>
-            <a:fld id="{76070CE3-68DD-4FE7-BDF0-A4A128997FC1}" type="slidenum">
+            <a:fld id="{3845E19E-D715-49EA-83C1-543F6ED934BF}" type="slidenum">
               <a:rPr lang="zh-CN" altLang="en-US" smtClean="0"/>
               <a:t>‹#›</a:t>
             </a:fld>
@@ -515,7 +515,7 @@
     </p:spTree>
     <p:extLst>
       <p:ext uri="{BB962C8B-B14F-4D97-AF65-F5344CB8AC3E}">
-        <p14:creationId xmlns:p14="http://schemas.microsoft.com/office/powerpoint/2010/main" val="3745486212"/>
+        <p14:creationId xmlns:p14="http://schemas.microsoft.com/office/powerpoint/2010/main" val="4293144730"/>
       </p:ext>
     </p:extLst>
   </p:cSld>
@@ -547,7 +547,7 @@
           <p:cNvPr id="2" name="竖排标题 1">
             <a:extLst>
               <a:ext uri="{FF2B5EF4-FFF2-40B4-BE49-F238E27FC236}">
-                <a16:creationId xmlns:a16="http://schemas.microsoft.com/office/drawing/2014/main" id="{B6104709-E93C-7C15-84B0-C7F3E461C092}"/>
+                <a16:creationId xmlns:a16="http://schemas.microsoft.com/office/drawing/2014/main" id="{D3A98409-1FE0-6087-2554-F165E76FD462}"/>
               </a:ext>
             </a:extLst>
           </p:cNvPr>
@@ -580,7 +580,7 @@
           <p:cNvPr id="3" name="竖排文字占位符 2">
             <a:extLst>
               <a:ext uri="{FF2B5EF4-FFF2-40B4-BE49-F238E27FC236}">
-                <a16:creationId xmlns:a16="http://schemas.microsoft.com/office/drawing/2014/main" id="{41A0D617-3942-4BD9-F0DF-FAC6C5B0E8B2}"/>
+                <a16:creationId xmlns:a16="http://schemas.microsoft.com/office/drawing/2014/main" id="{4DF4461F-8E88-A44C-37E0-30B008D479EA}"/>
               </a:ext>
             </a:extLst>
           </p:cNvPr>
@@ -642,7 +642,7 @@
           <p:cNvPr id="4" name="日期占位符 3">
             <a:extLst>
               <a:ext uri="{FF2B5EF4-FFF2-40B4-BE49-F238E27FC236}">
-                <a16:creationId xmlns:a16="http://schemas.microsoft.com/office/drawing/2014/main" id="{BD56C430-01CF-1922-0328-E5E8B046D093}"/>
+                <a16:creationId xmlns:a16="http://schemas.microsoft.com/office/drawing/2014/main" id="{819C3D7F-4284-8E4A-8C00-FB978DFE59AC}"/>
               </a:ext>
             </a:extLst>
           </p:cNvPr>
@@ -658,7 +658,7 @@
           <a:bodyPr/>
           <a:lstStyle/>
           <a:p>
-            <a:fld id="{54D3B292-75D1-4659-8CFE-A4907977A576}" type="datetimeFigureOut">
+            <a:fld id="{F2241063-AA24-4C00-9B1C-1ECE253B0832}" type="datetimeFigureOut">
               <a:rPr lang="zh-CN" altLang="en-US" smtClean="0"/>
               <a:t>2024/3/10</a:t>
             </a:fld>
@@ -671,7 +671,7 @@
           <p:cNvPr id="5" name="页脚占位符 4">
             <a:extLst>
               <a:ext uri="{FF2B5EF4-FFF2-40B4-BE49-F238E27FC236}">
-                <a16:creationId xmlns:a16="http://schemas.microsoft.com/office/drawing/2014/main" id="{AFC3CC2C-8097-9E21-CCF2-796FEAF2F532}"/>
+                <a16:creationId xmlns:a16="http://schemas.microsoft.com/office/drawing/2014/main" id="{DE958680-12F4-568C-5063-A5D38804F3BF}"/>
               </a:ext>
             </a:extLst>
           </p:cNvPr>
@@ -696,7 +696,7 @@
           <p:cNvPr id="6" name="灯片编号占位符 5">
             <a:extLst>
               <a:ext uri="{FF2B5EF4-FFF2-40B4-BE49-F238E27FC236}">
-                <a16:creationId xmlns:a16="http://schemas.microsoft.com/office/drawing/2014/main" id="{E89A71A8-FE31-2DC9-0A1F-C7B508C15551}"/>
+                <a16:creationId xmlns:a16="http://schemas.microsoft.com/office/drawing/2014/main" id="{C6DB88D9-772C-9998-3CF1-DFA08E649C61}"/>
               </a:ext>
             </a:extLst>
           </p:cNvPr>
@@ -712,7 +712,7 @@
           <a:bodyPr/>
           <a:lstStyle/>
           <a:p>
-            <a:fld id="{76070CE3-68DD-4FE7-BDF0-A4A128997FC1}" type="slidenum">
+            <a:fld id="{3845E19E-D715-49EA-83C1-543F6ED934BF}" type="slidenum">
               <a:rPr lang="zh-CN" altLang="en-US" smtClean="0"/>
               <a:t>‹#›</a:t>
             </a:fld>
@@ -723,7 +723,7 @@
     </p:spTree>
     <p:extLst>
       <p:ext uri="{BB962C8B-B14F-4D97-AF65-F5344CB8AC3E}">
-        <p14:creationId xmlns:p14="http://schemas.microsoft.com/office/powerpoint/2010/main" val="1172519055"/>
+        <p14:creationId xmlns:p14="http://schemas.microsoft.com/office/powerpoint/2010/main" val="570122145"/>
       </p:ext>
     </p:extLst>
   </p:cSld>
@@ -755,7 +755,7 @@
           <p:cNvPr id="2" name="标题 1">
             <a:extLst>
               <a:ext uri="{FF2B5EF4-FFF2-40B4-BE49-F238E27FC236}">
-                <a16:creationId xmlns:a16="http://schemas.microsoft.com/office/drawing/2014/main" id="{3526C51C-D27F-9FC2-0990-3DCE47DEFCEC}"/>
+                <a16:creationId xmlns:a16="http://schemas.microsoft.com/office/drawing/2014/main" id="{F658A282-2254-728B-6D14-CFFA8EA7D1FC}"/>
               </a:ext>
             </a:extLst>
           </p:cNvPr>
@@ -783,7 +783,7 @@
           <p:cNvPr id="3" name="内容占位符 2">
             <a:extLst>
               <a:ext uri="{FF2B5EF4-FFF2-40B4-BE49-F238E27FC236}">
-                <a16:creationId xmlns:a16="http://schemas.microsoft.com/office/drawing/2014/main" id="{0C8504F4-942F-77E2-D4C0-586013356735}"/>
+                <a16:creationId xmlns:a16="http://schemas.microsoft.com/office/drawing/2014/main" id="{269D64F0-81CC-0C99-6B22-249BDFA19A62}"/>
               </a:ext>
             </a:extLst>
           </p:cNvPr>
@@ -840,7 +840,7 @@
           <p:cNvPr id="4" name="日期占位符 3">
             <a:extLst>
               <a:ext uri="{FF2B5EF4-FFF2-40B4-BE49-F238E27FC236}">
-                <a16:creationId xmlns:a16="http://schemas.microsoft.com/office/drawing/2014/main" id="{410AE467-546B-C2CB-0EE4-4AE9D81D911B}"/>
+                <a16:creationId xmlns:a16="http://schemas.microsoft.com/office/drawing/2014/main" id="{8108B11C-523D-D4F2-DA56-C16306D4ABA6}"/>
               </a:ext>
             </a:extLst>
           </p:cNvPr>
@@ -856,7 +856,7 @@
           <a:bodyPr/>
           <a:lstStyle/>
           <a:p>
-            <a:fld id="{54D3B292-75D1-4659-8CFE-A4907977A576}" type="datetimeFigureOut">
+            <a:fld id="{F2241063-AA24-4C00-9B1C-1ECE253B0832}" type="datetimeFigureOut">
               <a:rPr lang="zh-CN" altLang="en-US" smtClean="0"/>
               <a:t>2024/3/10</a:t>
             </a:fld>
@@ -869,7 +869,7 @@
           <p:cNvPr id="5" name="页脚占位符 4">
             <a:extLst>
               <a:ext uri="{FF2B5EF4-FFF2-40B4-BE49-F238E27FC236}">
-                <a16:creationId xmlns:a16="http://schemas.microsoft.com/office/drawing/2014/main" id="{0DC3D9EA-B47F-B2EF-AA64-67EBF09C1983}"/>
+                <a16:creationId xmlns:a16="http://schemas.microsoft.com/office/drawing/2014/main" id="{EE6AE492-D7F9-7EE2-BB23-74F4F9165154}"/>
               </a:ext>
             </a:extLst>
           </p:cNvPr>
@@ -894,7 +894,7 @@
           <p:cNvPr id="6" name="灯片编号占位符 5">
             <a:extLst>
               <a:ext uri="{FF2B5EF4-FFF2-40B4-BE49-F238E27FC236}">
-                <a16:creationId xmlns:a16="http://schemas.microsoft.com/office/drawing/2014/main" id="{25066F02-FDD9-5DDA-142D-18078F3C2162}"/>
+                <a16:creationId xmlns:a16="http://schemas.microsoft.com/office/drawing/2014/main" id="{0306EF6D-D6E1-21EA-BB4C-C4C3DB87736D}"/>
               </a:ext>
             </a:extLst>
           </p:cNvPr>
@@ -910,7 +910,7 @@
           <a:bodyPr/>
           <a:lstStyle/>
           <a:p>
-            <a:fld id="{76070CE3-68DD-4FE7-BDF0-A4A128997FC1}" type="slidenum">
+            <a:fld id="{3845E19E-D715-49EA-83C1-543F6ED934BF}" type="slidenum">
               <a:rPr lang="zh-CN" altLang="en-US" smtClean="0"/>
               <a:t>‹#›</a:t>
             </a:fld>
@@ -921,7 +921,7 @@
     </p:spTree>
     <p:extLst>
       <p:ext uri="{BB962C8B-B14F-4D97-AF65-F5344CB8AC3E}">
-        <p14:creationId xmlns:p14="http://schemas.microsoft.com/office/powerpoint/2010/main" val="1037535746"/>
+        <p14:creationId xmlns:p14="http://schemas.microsoft.com/office/powerpoint/2010/main" val="3526098966"/>
       </p:ext>
     </p:extLst>
   </p:cSld>
@@ -953,7 +953,7 @@
           <p:cNvPr id="2" name="标题 1">
             <a:extLst>
               <a:ext uri="{FF2B5EF4-FFF2-40B4-BE49-F238E27FC236}">
-                <a16:creationId xmlns:a16="http://schemas.microsoft.com/office/drawing/2014/main" id="{82CF9346-B093-D3BE-B5C6-23D5F568DE2F}"/>
+                <a16:creationId xmlns:a16="http://schemas.microsoft.com/office/drawing/2014/main" id="{5310B942-A98D-6D16-D11F-C98DAB15AC83}"/>
               </a:ext>
             </a:extLst>
           </p:cNvPr>
@@ -990,7 +990,7 @@
           <p:cNvPr id="3" name="文本占位符 2">
             <a:extLst>
               <a:ext uri="{FF2B5EF4-FFF2-40B4-BE49-F238E27FC236}">
-                <a16:creationId xmlns:a16="http://schemas.microsoft.com/office/drawing/2014/main" id="{5C224DFE-A435-2030-87EC-4A2764C060F4}"/>
+                <a16:creationId xmlns:a16="http://schemas.microsoft.com/office/drawing/2014/main" id="{98C4F276-19F4-7739-066E-061FB3F16B16}"/>
               </a:ext>
             </a:extLst>
           </p:cNvPr>
@@ -1115,7 +1115,7 @@
           <p:cNvPr id="4" name="日期占位符 3">
             <a:extLst>
               <a:ext uri="{FF2B5EF4-FFF2-40B4-BE49-F238E27FC236}">
-                <a16:creationId xmlns:a16="http://schemas.microsoft.com/office/drawing/2014/main" id="{EFC49B7C-147A-1C6D-B5BD-5B04702809C8}"/>
+                <a16:creationId xmlns:a16="http://schemas.microsoft.com/office/drawing/2014/main" id="{9B8D5E43-C9DC-2C99-9A3D-30C51DFCCA17}"/>
               </a:ext>
             </a:extLst>
           </p:cNvPr>
@@ -1131,7 +1131,7 @@
           <a:bodyPr/>
           <a:lstStyle/>
           <a:p>
-            <a:fld id="{54D3B292-75D1-4659-8CFE-A4907977A576}" type="datetimeFigureOut">
+            <a:fld id="{F2241063-AA24-4C00-9B1C-1ECE253B0832}" type="datetimeFigureOut">
               <a:rPr lang="zh-CN" altLang="en-US" smtClean="0"/>
               <a:t>2024/3/10</a:t>
             </a:fld>
@@ -1144,7 +1144,7 @@
           <p:cNvPr id="5" name="页脚占位符 4">
             <a:extLst>
               <a:ext uri="{FF2B5EF4-FFF2-40B4-BE49-F238E27FC236}">
-                <a16:creationId xmlns:a16="http://schemas.microsoft.com/office/drawing/2014/main" id="{6D755EB1-F5D3-2CEB-EA39-69C2832FF262}"/>
+                <a16:creationId xmlns:a16="http://schemas.microsoft.com/office/drawing/2014/main" id="{FDF8F3CA-3A84-4A52-85A7-96FD87434C3F}"/>
               </a:ext>
             </a:extLst>
           </p:cNvPr>
@@ -1169,7 +1169,7 @@
           <p:cNvPr id="6" name="灯片编号占位符 5">
             <a:extLst>
               <a:ext uri="{FF2B5EF4-FFF2-40B4-BE49-F238E27FC236}">
-                <a16:creationId xmlns:a16="http://schemas.microsoft.com/office/drawing/2014/main" id="{67B8590B-BD90-7958-C4BA-65C05C94C09A}"/>
+                <a16:creationId xmlns:a16="http://schemas.microsoft.com/office/drawing/2014/main" id="{4DEA9BD0-208B-0EB0-FAFD-7E5A5C89F9EB}"/>
               </a:ext>
             </a:extLst>
           </p:cNvPr>
@@ -1185,7 +1185,7 @@
           <a:bodyPr/>
           <a:lstStyle/>
           <a:p>
-            <a:fld id="{76070CE3-68DD-4FE7-BDF0-A4A128997FC1}" type="slidenum">
+            <a:fld id="{3845E19E-D715-49EA-83C1-543F6ED934BF}" type="slidenum">
               <a:rPr lang="zh-CN" altLang="en-US" smtClean="0"/>
               <a:t>‹#›</a:t>
             </a:fld>
@@ -1196,7 +1196,7 @@
     </p:spTree>
     <p:extLst>
       <p:ext uri="{BB962C8B-B14F-4D97-AF65-F5344CB8AC3E}">
-        <p14:creationId xmlns:p14="http://schemas.microsoft.com/office/powerpoint/2010/main" val="383027335"/>
+        <p14:creationId xmlns:p14="http://schemas.microsoft.com/office/powerpoint/2010/main" val="3241416652"/>
       </p:ext>
     </p:extLst>
   </p:cSld>
@@ -1228,7 +1228,7 @@
           <p:cNvPr id="2" name="标题 1">
             <a:extLst>
               <a:ext uri="{FF2B5EF4-FFF2-40B4-BE49-F238E27FC236}">
-                <a16:creationId xmlns:a16="http://schemas.microsoft.com/office/drawing/2014/main" id="{0ED5941F-816E-BD16-E803-60B4AAA4CDE7}"/>
+                <a16:creationId xmlns:a16="http://schemas.microsoft.com/office/drawing/2014/main" id="{3A75C4E1-98E6-BDC8-B76F-5D3782340F17}"/>
               </a:ext>
             </a:extLst>
           </p:cNvPr>
@@ -1256,7 +1256,7 @@
           <p:cNvPr id="3" name="内容占位符 2">
             <a:extLst>
               <a:ext uri="{FF2B5EF4-FFF2-40B4-BE49-F238E27FC236}">
-                <a16:creationId xmlns:a16="http://schemas.microsoft.com/office/drawing/2014/main" id="{F3547F76-027B-019A-02FB-915018EEC11F}"/>
+                <a16:creationId xmlns:a16="http://schemas.microsoft.com/office/drawing/2014/main" id="{282F563F-61ED-A8FD-B55C-A86CEDA96EDA}"/>
               </a:ext>
             </a:extLst>
           </p:cNvPr>
@@ -1318,7 +1318,7 @@
           <p:cNvPr id="4" name="内容占位符 3">
             <a:extLst>
               <a:ext uri="{FF2B5EF4-FFF2-40B4-BE49-F238E27FC236}">
-                <a16:creationId xmlns:a16="http://schemas.microsoft.com/office/drawing/2014/main" id="{C13A5E62-3F48-2500-91E6-EDE223B3BDB2}"/>
+                <a16:creationId xmlns:a16="http://schemas.microsoft.com/office/drawing/2014/main" id="{781DDB9A-A6F3-79A1-844D-7A43942E808B}"/>
               </a:ext>
             </a:extLst>
           </p:cNvPr>
@@ -1380,7 +1380,7 @@
           <p:cNvPr id="5" name="日期占位符 4">
             <a:extLst>
               <a:ext uri="{FF2B5EF4-FFF2-40B4-BE49-F238E27FC236}">
-                <a16:creationId xmlns:a16="http://schemas.microsoft.com/office/drawing/2014/main" id="{D857ED22-A949-D05E-8476-91A22F4CA3D6}"/>
+                <a16:creationId xmlns:a16="http://schemas.microsoft.com/office/drawing/2014/main" id="{3BA1E396-B26B-B1BA-8996-22DBD192D89D}"/>
               </a:ext>
             </a:extLst>
           </p:cNvPr>
@@ -1396,7 +1396,7 @@
           <a:bodyPr/>
           <a:lstStyle/>
           <a:p>
-            <a:fld id="{54D3B292-75D1-4659-8CFE-A4907977A576}" type="datetimeFigureOut">
+            <a:fld id="{F2241063-AA24-4C00-9B1C-1ECE253B0832}" type="datetimeFigureOut">
               <a:rPr lang="zh-CN" altLang="en-US" smtClean="0"/>
               <a:t>2024/3/10</a:t>
             </a:fld>
@@ -1409,7 +1409,7 @@
           <p:cNvPr id="6" name="页脚占位符 5">
             <a:extLst>
               <a:ext uri="{FF2B5EF4-FFF2-40B4-BE49-F238E27FC236}">
-                <a16:creationId xmlns:a16="http://schemas.microsoft.com/office/drawing/2014/main" id="{2C913CBF-18A4-2767-434B-F27067855DEE}"/>
+                <a16:creationId xmlns:a16="http://schemas.microsoft.com/office/drawing/2014/main" id="{C601163C-0709-EA55-315B-C72AC5397197}"/>
               </a:ext>
             </a:extLst>
           </p:cNvPr>
@@ -1434,7 +1434,7 @@
           <p:cNvPr id="7" name="灯片编号占位符 6">
             <a:extLst>
               <a:ext uri="{FF2B5EF4-FFF2-40B4-BE49-F238E27FC236}">
-                <a16:creationId xmlns:a16="http://schemas.microsoft.com/office/drawing/2014/main" id="{01EC637E-EC43-1CF3-35EA-8F8B094D2A61}"/>
+                <a16:creationId xmlns:a16="http://schemas.microsoft.com/office/drawing/2014/main" id="{ED46D874-368D-2A35-CB21-10A156C88570}"/>
               </a:ext>
             </a:extLst>
           </p:cNvPr>
@@ -1450,7 +1450,7 @@
           <a:bodyPr/>
           <a:lstStyle/>
           <a:p>
-            <a:fld id="{76070CE3-68DD-4FE7-BDF0-A4A128997FC1}" type="slidenum">
+            <a:fld id="{3845E19E-D715-49EA-83C1-543F6ED934BF}" type="slidenum">
               <a:rPr lang="zh-CN" altLang="en-US" smtClean="0"/>
               <a:t>‹#›</a:t>
             </a:fld>
@@ -1461,7 +1461,7 @@
     </p:spTree>
     <p:extLst>
       <p:ext uri="{BB962C8B-B14F-4D97-AF65-F5344CB8AC3E}">
-        <p14:creationId xmlns:p14="http://schemas.microsoft.com/office/powerpoint/2010/main" val="2243169090"/>
+        <p14:creationId xmlns:p14="http://schemas.microsoft.com/office/powerpoint/2010/main" val="2385775745"/>
       </p:ext>
     </p:extLst>
   </p:cSld>
@@ -1493,7 +1493,7 @@
           <p:cNvPr id="2" name="标题 1">
             <a:extLst>
               <a:ext uri="{FF2B5EF4-FFF2-40B4-BE49-F238E27FC236}">
-                <a16:creationId xmlns:a16="http://schemas.microsoft.com/office/drawing/2014/main" id="{428D9139-0E6F-5356-0505-476A83BC914C}"/>
+                <a16:creationId xmlns:a16="http://schemas.microsoft.com/office/drawing/2014/main" id="{2CCA9DF6-E8C7-E536-AFE5-AB7C30360D77}"/>
               </a:ext>
             </a:extLst>
           </p:cNvPr>
@@ -1526,7 +1526,7 @@
           <p:cNvPr id="3" name="文本占位符 2">
             <a:extLst>
               <a:ext uri="{FF2B5EF4-FFF2-40B4-BE49-F238E27FC236}">
-                <a16:creationId xmlns:a16="http://schemas.microsoft.com/office/drawing/2014/main" id="{ABD01DB3-EDA7-6CD3-F825-E54BB1D59FA5}"/>
+                <a16:creationId xmlns:a16="http://schemas.microsoft.com/office/drawing/2014/main" id="{BFC0EFEB-529E-F11A-2280-70D6D61CDC2F}"/>
               </a:ext>
             </a:extLst>
           </p:cNvPr>
@@ -1597,7 +1597,7 @@
           <p:cNvPr id="4" name="内容占位符 3">
             <a:extLst>
               <a:ext uri="{FF2B5EF4-FFF2-40B4-BE49-F238E27FC236}">
-                <a16:creationId xmlns:a16="http://schemas.microsoft.com/office/drawing/2014/main" id="{55B08E6C-3C76-DD56-3CDC-05D46C602F59}"/>
+                <a16:creationId xmlns:a16="http://schemas.microsoft.com/office/drawing/2014/main" id="{2735576F-01C5-948D-25D2-771F0B8A559F}"/>
               </a:ext>
             </a:extLst>
           </p:cNvPr>
@@ -1659,7 +1659,7 @@
           <p:cNvPr id="5" name="文本占位符 4">
             <a:extLst>
               <a:ext uri="{FF2B5EF4-FFF2-40B4-BE49-F238E27FC236}">
-                <a16:creationId xmlns:a16="http://schemas.microsoft.com/office/drawing/2014/main" id="{CE4D4B4F-815A-702D-AB5B-E5B00E92DB9D}"/>
+                <a16:creationId xmlns:a16="http://schemas.microsoft.com/office/drawing/2014/main" id="{2B6DF038-E27F-06B6-5479-482F66CA7BCF}"/>
               </a:ext>
             </a:extLst>
           </p:cNvPr>
@@ -1730,7 +1730,7 @@
           <p:cNvPr id="6" name="内容占位符 5">
             <a:extLst>
               <a:ext uri="{FF2B5EF4-FFF2-40B4-BE49-F238E27FC236}">
-                <a16:creationId xmlns:a16="http://schemas.microsoft.com/office/drawing/2014/main" id="{AFBD0EF7-4097-D4C2-AB12-312135E4C54C}"/>
+                <a16:creationId xmlns:a16="http://schemas.microsoft.com/office/drawing/2014/main" id="{7F5C6240-2881-1693-ADD8-15BD7605E75B}"/>
               </a:ext>
             </a:extLst>
           </p:cNvPr>
@@ -1792,7 +1792,7 @@
           <p:cNvPr id="7" name="日期占位符 6">
             <a:extLst>
               <a:ext uri="{FF2B5EF4-FFF2-40B4-BE49-F238E27FC236}">
-                <a16:creationId xmlns:a16="http://schemas.microsoft.com/office/drawing/2014/main" id="{E7DFB7E2-8905-DA12-4529-F232EA17B14C}"/>
+                <a16:creationId xmlns:a16="http://schemas.microsoft.com/office/drawing/2014/main" id="{E031BB69-4221-5A11-17DD-6347192D1574}"/>
               </a:ext>
             </a:extLst>
           </p:cNvPr>
@@ -1808,7 +1808,7 @@
           <a:bodyPr/>
           <a:lstStyle/>
           <a:p>
-            <a:fld id="{54D3B292-75D1-4659-8CFE-A4907977A576}" type="datetimeFigureOut">
+            <a:fld id="{F2241063-AA24-4C00-9B1C-1ECE253B0832}" type="datetimeFigureOut">
               <a:rPr lang="zh-CN" altLang="en-US" smtClean="0"/>
               <a:t>2024/3/10</a:t>
             </a:fld>
@@ -1821,7 +1821,7 @@
           <p:cNvPr id="8" name="页脚占位符 7">
             <a:extLst>
               <a:ext uri="{FF2B5EF4-FFF2-40B4-BE49-F238E27FC236}">
-                <a16:creationId xmlns:a16="http://schemas.microsoft.com/office/drawing/2014/main" id="{8DAF4AA6-1639-28A6-21D0-ED1ACEAA4563}"/>
+                <a16:creationId xmlns:a16="http://schemas.microsoft.com/office/drawing/2014/main" id="{556203E5-017D-5EBC-8B50-B3E1C7BD7E0A}"/>
               </a:ext>
             </a:extLst>
           </p:cNvPr>
@@ -1846,7 +1846,7 @@
           <p:cNvPr id="9" name="灯片编号占位符 8">
             <a:extLst>
               <a:ext uri="{FF2B5EF4-FFF2-40B4-BE49-F238E27FC236}">
-                <a16:creationId xmlns:a16="http://schemas.microsoft.com/office/drawing/2014/main" id="{4430E5CF-A79B-C46D-9075-AEFDFC766A27}"/>
+                <a16:creationId xmlns:a16="http://schemas.microsoft.com/office/drawing/2014/main" id="{6F76271B-F4B2-4E86-3DE8-07A5C5A6343B}"/>
               </a:ext>
             </a:extLst>
           </p:cNvPr>
@@ -1862,7 +1862,7 @@
           <a:bodyPr/>
           <a:lstStyle/>
           <a:p>
-            <a:fld id="{76070CE3-68DD-4FE7-BDF0-A4A128997FC1}" type="slidenum">
+            <a:fld id="{3845E19E-D715-49EA-83C1-543F6ED934BF}" type="slidenum">
               <a:rPr lang="zh-CN" altLang="en-US" smtClean="0"/>
               <a:t>‹#›</a:t>
             </a:fld>
@@ -1873,7 +1873,7 @@
     </p:spTree>
     <p:extLst>
       <p:ext uri="{BB962C8B-B14F-4D97-AF65-F5344CB8AC3E}">
-        <p14:creationId xmlns:p14="http://schemas.microsoft.com/office/powerpoint/2010/main" val="447027074"/>
+        <p14:creationId xmlns:p14="http://schemas.microsoft.com/office/powerpoint/2010/main" val="3309573359"/>
       </p:ext>
     </p:extLst>
   </p:cSld>
@@ -1905,7 +1905,7 @@
           <p:cNvPr id="2" name="标题 1">
             <a:extLst>
               <a:ext uri="{FF2B5EF4-FFF2-40B4-BE49-F238E27FC236}">
-                <a16:creationId xmlns:a16="http://schemas.microsoft.com/office/drawing/2014/main" id="{BE2A55DE-F78D-4B96-138D-C487ECB722BE}"/>
+                <a16:creationId xmlns:a16="http://schemas.microsoft.com/office/drawing/2014/main" id="{C2D777F3-DD1E-4292-7FFA-4300BF10F271}"/>
               </a:ext>
             </a:extLst>
           </p:cNvPr>
@@ -1933,7 +1933,7 @@
           <p:cNvPr id="3" name="日期占位符 2">
             <a:extLst>
               <a:ext uri="{FF2B5EF4-FFF2-40B4-BE49-F238E27FC236}">
-                <a16:creationId xmlns:a16="http://schemas.microsoft.com/office/drawing/2014/main" id="{452DB4B1-62B1-6D58-D20C-BB382C682CFE}"/>
+                <a16:creationId xmlns:a16="http://schemas.microsoft.com/office/drawing/2014/main" id="{B505BCBA-2B33-AA52-4992-27B62C57572A}"/>
               </a:ext>
             </a:extLst>
           </p:cNvPr>
@@ -1949,7 +1949,7 @@
           <a:bodyPr/>
           <a:lstStyle/>
           <a:p>
-            <a:fld id="{54D3B292-75D1-4659-8CFE-A4907977A576}" type="datetimeFigureOut">
+            <a:fld id="{F2241063-AA24-4C00-9B1C-1ECE253B0832}" type="datetimeFigureOut">
               <a:rPr lang="zh-CN" altLang="en-US" smtClean="0"/>
               <a:t>2024/3/10</a:t>
             </a:fld>
@@ -1962,7 +1962,7 @@
           <p:cNvPr id="4" name="页脚占位符 3">
             <a:extLst>
               <a:ext uri="{FF2B5EF4-FFF2-40B4-BE49-F238E27FC236}">
-                <a16:creationId xmlns:a16="http://schemas.microsoft.com/office/drawing/2014/main" id="{699CCFB6-0BAB-715D-7B8D-808C703BE10D}"/>
+                <a16:creationId xmlns:a16="http://schemas.microsoft.com/office/drawing/2014/main" id="{9FE4A382-7CF3-4701-84FB-7B11EC197DEE}"/>
               </a:ext>
             </a:extLst>
           </p:cNvPr>
@@ -1987,7 +1987,7 @@
           <p:cNvPr id="5" name="灯片编号占位符 4">
             <a:extLst>
               <a:ext uri="{FF2B5EF4-FFF2-40B4-BE49-F238E27FC236}">
-                <a16:creationId xmlns:a16="http://schemas.microsoft.com/office/drawing/2014/main" id="{5AF607C1-6811-D665-74EE-A3DDA1D83F20}"/>
+                <a16:creationId xmlns:a16="http://schemas.microsoft.com/office/drawing/2014/main" id="{F0A0D681-B3BC-9EB5-AC15-E245EF1B928C}"/>
               </a:ext>
             </a:extLst>
           </p:cNvPr>
@@ -2003,7 +2003,7 @@
           <a:bodyPr/>
           <a:lstStyle/>
           <a:p>
-            <a:fld id="{76070CE3-68DD-4FE7-BDF0-A4A128997FC1}" type="slidenum">
+            <a:fld id="{3845E19E-D715-49EA-83C1-543F6ED934BF}" type="slidenum">
               <a:rPr lang="zh-CN" altLang="en-US" smtClean="0"/>
               <a:t>‹#›</a:t>
             </a:fld>
@@ -2014,7 +2014,7 @@
     </p:spTree>
     <p:extLst>
       <p:ext uri="{BB962C8B-B14F-4D97-AF65-F5344CB8AC3E}">
-        <p14:creationId xmlns:p14="http://schemas.microsoft.com/office/powerpoint/2010/main" val="998557817"/>
+        <p14:creationId xmlns:p14="http://schemas.microsoft.com/office/powerpoint/2010/main" val="4047099225"/>
       </p:ext>
     </p:extLst>
   </p:cSld>
@@ -2046,7 +2046,7 @@
           <p:cNvPr id="2" name="日期占位符 1">
             <a:extLst>
               <a:ext uri="{FF2B5EF4-FFF2-40B4-BE49-F238E27FC236}">
-                <a16:creationId xmlns:a16="http://schemas.microsoft.com/office/drawing/2014/main" id="{4AF4797E-E5C0-EFEE-443B-D109C6955C2C}"/>
+                <a16:creationId xmlns:a16="http://schemas.microsoft.com/office/drawing/2014/main" id="{B0A7766C-9088-B7F6-141E-421A8E6E2F4B}"/>
               </a:ext>
             </a:extLst>
           </p:cNvPr>
@@ -2062,7 +2062,7 @@
           <a:bodyPr/>
           <a:lstStyle/>
           <a:p>
-            <a:fld id="{54D3B292-75D1-4659-8CFE-A4907977A576}" type="datetimeFigureOut">
+            <a:fld id="{F2241063-AA24-4C00-9B1C-1ECE253B0832}" type="datetimeFigureOut">
               <a:rPr lang="zh-CN" altLang="en-US" smtClean="0"/>
               <a:t>2024/3/10</a:t>
             </a:fld>
@@ -2075,7 +2075,7 @@
           <p:cNvPr id="3" name="页脚占位符 2">
             <a:extLst>
               <a:ext uri="{FF2B5EF4-FFF2-40B4-BE49-F238E27FC236}">
-                <a16:creationId xmlns:a16="http://schemas.microsoft.com/office/drawing/2014/main" id="{A0EB2DD6-0445-A744-DE41-7895F921CE8D}"/>
+                <a16:creationId xmlns:a16="http://schemas.microsoft.com/office/drawing/2014/main" id="{C8B4C644-48DF-A8A4-04D7-A2971BC3CB00}"/>
               </a:ext>
             </a:extLst>
           </p:cNvPr>
@@ -2100,7 +2100,7 @@
           <p:cNvPr id="4" name="灯片编号占位符 3">
             <a:extLst>
               <a:ext uri="{FF2B5EF4-FFF2-40B4-BE49-F238E27FC236}">
-                <a16:creationId xmlns:a16="http://schemas.microsoft.com/office/drawing/2014/main" id="{F5F28120-5712-92AD-D2B6-24AC78DC1CA9}"/>
+                <a16:creationId xmlns:a16="http://schemas.microsoft.com/office/drawing/2014/main" id="{0EF72BBE-0F6C-6218-9C81-6C5D3F676DA4}"/>
               </a:ext>
             </a:extLst>
           </p:cNvPr>
@@ -2116,7 +2116,7 @@
           <a:bodyPr/>
           <a:lstStyle/>
           <a:p>
-            <a:fld id="{76070CE3-68DD-4FE7-BDF0-A4A128997FC1}" type="slidenum">
+            <a:fld id="{3845E19E-D715-49EA-83C1-543F6ED934BF}" type="slidenum">
               <a:rPr lang="zh-CN" altLang="en-US" smtClean="0"/>
               <a:t>‹#›</a:t>
             </a:fld>
@@ -2127,7 +2127,7 @@
     </p:spTree>
     <p:extLst>
       <p:ext uri="{BB962C8B-B14F-4D97-AF65-F5344CB8AC3E}">
-        <p14:creationId xmlns:p14="http://schemas.microsoft.com/office/powerpoint/2010/main" val="1573582633"/>
+        <p14:creationId xmlns:p14="http://schemas.microsoft.com/office/powerpoint/2010/main" val="998041954"/>
       </p:ext>
     </p:extLst>
   </p:cSld>
@@ -2159,7 +2159,7 @@
           <p:cNvPr id="2" name="标题 1">
             <a:extLst>
               <a:ext uri="{FF2B5EF4-FFF2-40B4-BE49-F238E27FC236}">
-                <a16:creationId xmlns:a16="http://schemas.microsoft.com/office/drawing/2014/main" id="{5D8CD33B-A1EC-B38B-0646-BE4092F15262}"/>
+                <a16:creationId xmlns:a16="http://schemas.microsoft.com/office/drawing/2014/main" id="{52F052F4-602B-6808-497F-853290BBC912}"/>
               </a:ext>
             </a:extLst>
           </p:cNvPr>
@@ -2196,7 +2196,7 @@
           <p:cNvPr id="3" name="内容占位符 2">
             <a:extLst>
               <a:ext uri="{FF2B5EF4-FFF2-40B4-BE49-F238E27FC236}">
-                <a16:creationId xmlns:a16="http://schemas.microsoft.com/office/drawing/2014/main" id="{54BEF59B-F409-9682-5021-DB37CCD6768C}"/>
+                <a16:creationId xmlns:a16="http://schemas.microsoft.com/office/drawing/2014/main" id="{7834A190-04F7-E3B7-C824-3665380D92BC}"/>
               </a:ext>
             </a:extLst>
           </p:cNvPr>
@@ -2286,7 +2286,7 @@
           <p:cNvPr id="4" name="文本占位符 3">
             <a:extLst>
               <a:ext uri="{FF2B5EF4-FFF2-40B4-BE49-F238E27FC236}">
-                <a16:creationId xmlns:a16="http://schemas.microsoft.com/office/drawing/2014/main" id="{FD4A325E-AE64-0380-BD18-E3A440362168}"/>
+                <a16:creationId xmlns:a16="http://schemas.microsoft.com/office/drawing/2014/main" id="{F7C6231E-529B-DE07-9B02-80AC09F5CEEB}"/>
               </a:ext>
             </a:extLst>
           </p:cNvPr>
@@ -2357,7 +2357,7 @@
           <p:cNvPr id="5" name="日期占位符 4">
             <a:extLst>
               <a:ext uri="{FF2B5EF4-FFF2-40B4-BE49-F238E27FC236}">
-                <a16:creationId xmlns:a16="http://schemas.microsoft.com/office/drawing/2014/main" id="{FB58F4F2-E449-CF65-1741-DF67D0BA9E49}"/>
+                <a16:creationId xmlns:a16="http://schemas.microsoft.com/office/drawing/2014/main" id="{4395B42C-671D-A402-B286-9ECF182D92A5}"/>
               </a:ext>
             </a:extLst>
           </p:cNvPr>
@@ -2373,7 +2373,7 @@
           <a:bodyPr/>
           <a:lstStyle/>
           <a:p>
-            <a:fld id="{54D3B292-75D1-4659-8CFE-A4907977A576}" type="datetimeFigureOut">
+            <a:fld id="{F2241063-AA24-4C00-9B1C-1ECE253B0832}" type="datetimeFigureOut">
               <a:rPr lang="zh-CN" altLang="en-US" smtClean="0"/>
               <a:t>2024/3/10</a:t>
             </a:fld>
@@ -2386,7 +2386,7 @@
           <p:cNvPr id="6" name="页脚占位符 5">
             <a:extLst>
               <a:ext uri="{FF2B5EF4-FFF2-40B4-BE49-F238E27FC236}">
-                <a16:creationId xmlns:a16="http://schemas.microsoft.com/office/drawing/2014/main" id="{FDB25417-F779-AB5A-436F-3BF240822998}"/>
+                <a16:creationId xmlns:a16="http://schemas.microsoft.com/office/drawing/2014/main" id="{3408D746-727B-5306-B293-3ABE696B6964}"/>
               </a:ext>
             </a:extLst>
           </p:cNvPr>
@@ -2411,7 +2411,7 @@
           <p:cNvPr id="7" name="灯片编号占位符 6">
             <a:extLst>
               <a:ext uri="{FF2B5EF4-FFF2-40B4-BE49-F238E27FC236}">
-                <a16:creationId xmlns:a16="http://schemas.microsoft.com/office/drawing/2014/main" id="{F6DEDBF7-A7B3-2C1C-BA2F-9FA85125E0E3}"/>
+                <a16:creationId xmlns:a16="http://schemas.microsoft.com/office/drawing/2014/main" id="{B9C6FCE3-3413-ED3F-F27D-C5436F6F9989}"/>
               </a:ext>
             </a:extLst>
           </p:cNvPr>
@@ -2427,7 +2427,7 @@
           <a:bodyPr/>
           <a:lstStyle/>
           <a:p>
-            <a:fld id="{76070CE3-68DD-4FE7-BDF0-A4A128997FC1}" type="slidenum">
+            <a:fld id="{3845E19E-D715-49EA-83C1-543F6ED934BF}" type="slidenum">
               <a:rPr lang="zh-CN" altLang="en-US" smtClean="0"/>
               <a:t>‹#›</a:t>
             </a:fld>
@@ -2438,7 +2438,7 @@
     </p:spTree>
     <p:extLst>
       <p:ext uri="{BB962C8B-B14F-4D97-AF65-F5344CB8AC3E}">
-        <p14:creationId xmlns:p14="http://schemas.microsoft.com/office/powerpoint/2010/main" val="383902361"/>
+        <p14:creationId xmlns:p14="http://schemas.microsoft.com/office/powerpoint/2010/main" val="3980776150"/>
       </p:ext>
     </p:extLst>
   </p:cSld>
@@ -2470,7 +2470,7 @@
           <p:cNvPr id="2" name="标题 1">
             <a:extLst>
               <a:ext uri="{FF2B5EF4-FFF2-40B4-BE49-F238E27FC236}">
-                <a16:creationId xmlns:a16="http://schemas.microsoft.com/office/drawing/2014/main" id="{F597DC5C-D107-A016-F3DB-DD9AC05F905C}"/>
+                <a16:creationId xmlns:a16="http://schemas.microsoft.com/office/drawing/2014/main" id="{590A262A-91D6-0D81-13DE-5312048A9ECC}"/>
               </a:ext>
             </a:extLst>
           </p:cNvPr>
@@ -2507,7 +2507,7 @@
           <p:cNvPr id="3" name="图片占位符 2">
             <a:extLst>
               <a:ext uri="{FF2B5EF4-FFF2-40B4-BE49-F238E27FC236}">
-                <a16:creationId xmlns:a16="http://schemas.microsoft.com/office/drawing/2014/main" id="{C9FD7886-1D2D-B8A5-1806-2F307A21AF3E}"/>
+                <a16:creationId xmlns:a16="http://schemas.microsoft.com/office/drawing/2014/main" id="{042E2482-230B-B22C-30DB-C2E7BA94B8DA}"/>
               </a:ext>
             </a:extLst>
           </p:cNvPr>
@@ -2574,7 +2574,7 @@
           <p:cNvPr id="4" name="文本占位符 3">
             <a:extLst>
               <a:ext uri="{FF2B5EF4-FFF2-40B4-BE49-F238E27FC236}">
-                <a16:creationId xmlns:a16="http://schemas.microsoft.com/office/drawing/2014/main" id="{E79A7FB0-F79B-12F9-27DE-CC03255412E1}"/>
+                <a16:creationId xmlns:a16="http://schemas.microsoft.com/office/drawing/2014/main" id="{469023DE-191A-014A-C029-866AF829FA53}"/>
               </a:ext>
             </a:extLst>
           </p:cNvPr>
@@ -2645,7 +2645,7 @@
           <p:cNvPr id="5" name="日期占位符 4">
             <a:extLst>
               <a:ext uri="{FF2B5EF4-FFF2-40B4-BE49-F238E27FC236}">
-                <a16:creationId xmlns:a16="http://schemas.microsoft.com/office/drawing/2014/main" id="{AE38F464-34FF-096A-C010-899F3491D3F2}"/>
+                <a16:creationId xmlns:a16="http://schemas.microsoft.com/office/drawing/2014/main" id="{DC71C1D3-710A-A794-963F-1760D65AA342}"/>
               </a:ext>
             </a:extLst>
           </p:cNvPr>
@@ -2661,7 +2661,7 @@
           <a:bodyPr/>
           <a:lstStyle/>
           <a:p>
-            <a:fld id="{54D3B292-75D1-4659-8CFE-A4907977A576}" type="datetimeFigureOut">
+            <a:fld id="{F2241063-AA24-4C00-9B1C-1ECE253B0832}" type="datetimeFigureOut">
               <a:rPr lang="zh-CN" altLang="en-US" smtClean="0"/>
               <a:t>2024/3/10</a:t>
             </a:fld>
@@ -2674,7 +2674,7 @@
           <p:cNvPr id="6" name="页脚占位符 5">
             <a:extLst>
               <a:ext uri="{FF2B5EF4-FFF2-40B4-BE49-F238E27FC236}">
-                <a16:creationId xmlns:a16="http://schemas.microsoft.com/office/drawing/2014/main" id="{AECCBE24-CF6F-5C4F-31EC-AF447C251F41}"/>
+                <a16:creationId xmlns:a16="http://schemas.microsoft.com/office/drawing/2014/main" id="{D422AB0C-DF47-4494-4F1F-E48C77FF8A5E}"/>
               </a:ext>
             </a:extLst>
           </p:cNvPr>
@@ -2699,7 +2699,7 @@
           <p:cNvPr id="7" name="灯片编号占位符 6">
             <a:extLst>
               <a:ext uri="{FF2B5EF4-FFF2-40B4-BE49-F238E27FC236}">
-                <a16:creationId xmlns:a16="http://schemas.microsoft.com/office/drawing/2014/main" id="{91580CA4-2B14-A559-C04F-5E7A1A2C5FDA}"/>
+                <a16:creationId xmlns:a16="http://schemas.microsoft.com/office/drawing/2014/main" id="{322206AC-C26C-8D58-05EC-0EBD39DEA99C}"/>
               </a:ext>
             </a:extLst>
           </p:cNvPr>
@@ -2715,7 +2715,7 @@
           <a:bodyPr/>
           <a:lstStyle/>
           <a:p>
-            <a:fld id="{76070CE3-68DD-4FE7-BDF0-A4A128997FC1}" type="slidenum">
+            <a:fld id="{3845E19E-D715-49EA-83C1-543F6ED934BF}" type="slidenum">
               <a:rPr lang="zh-CN" altLang="en-US" smtClean="0"/>
               <a:t>‹#›</a:t>
             </a:fld>
@@ -2726,7 +2726,7 @@
     </p:spTree>
     <p:extLst>
       <p:ext uri="{BB962C8B-B14F-4D97-AF65-F5344CB8AC3E}">
-        <p14:creationId xmlns:p14="http://schemas.microsoft.com/office/powerpoint/2010/main" val="1126504328"/>
+        <p14:creationId xmlns:p14="http://schemas.microsoft.com/office/powerpoint/2010/main" val="3589108916"/>
       </p:ext>
     </p:extLst>
   </p:cSld>
@@ -2763,7 +2763,7 @@
           <p:cNvPr id="2" name="标题占位符 1">
             <a:extLst>
               <a:ext uri="{FF2B5EF4-FFF2-40B4-BE49-F238E27FC236}">
-                <a16:creationId xmlns:a16="http://schemas.microsoft.com/office/drawing/2014/main" id="{6046D2C3-D6BC-9C16-49B2-036D22CC15C5}"/>
+                <a16:creationId xmlns:a16="http://schemas.microsoft.com/office/drawing/2014/main" id="{4D9721E9-19AD-D63C-3C07-BD61F61D68D9}"/>
               </a:ext>
             </a:extLst>
           </p:cNvPr>
@@ -2801,7 +2801,7 @@
           <p:cNvPr id="3" name="文本占位符 2">
             <a:extLst>
               <a:ext uri="{FF2B5EF4-FFF2-40B4-BE49-F238E27FC236}">
-                <a16:creationId xmlns:a16="http://schemas.microsoft.com/office/drawing/2014/main" id="{F52EEB1A-1EE3-431B-AF5E-07965719F7FA}"/>
+                <a16:creationId xmlns:a16="http://schemas.microsoft.com/office/drawing/2014/main" id="{0B8D54A9-C77A-13F2-7C44-61A48C58BCAA}"/>
               </a:ext>
             </a:extLst>
           </p:cNvPr>
@@ -2868,7 +2868,7 @@
           <p:cNvPr id="4" name="日期占位符 3">
             <a:extLst>
               <a:ext uri="{FF2B5EF4-FFF2-40B4-BE49-F238E27FC236}">
-                <a16:creationId xmlns:a16="http://schemas.microsoft.com/office/drawing/2014/main" id="{80C5A3A4-9029-DF85-6EA6-0F6162951E4E}"/>
+                <a16:creationId xmlns:a16="http://schemas.microsoft.com/office/drawing/2014/main" id="{2D8FFAA4-8ABA-8D9C-6032-3FC1BEA0288B}"/>
               </a:ext>
             </a:extLst>
           </p:cNvPr>
@@ -2902,7 +2902,7 @@
             </a:lvl1pPr>
           </a:lstStyle>
           <a:p>
-            <a:fld id="{54D3B292-75D1-4659-8CFE-A4907977A576}" type="datetimeFigureOut">
+            <a:fld id="{F2241063-AA24-4C00-9B1C-1ECE253B0832}" type="datetimeFigureOut">
               <a:rPr lang="zh-CN" altLang="en-US" smtClean="0"/>
               <a:t>2024/3/10</a:t>
             </a:fld>
@@ -2915,7 +2915,7 @@
           <p:cNvPr id="5" name="页脚占位符 4">
             <a:extLst>
               <a:ext uri="{FF2B5EF4-FFF2-40B4-BE49-F238E27FC236}">
-                <a16:creationId xmlns:a16="http://schemas.microsoft.com/office/drawing/2014/main" id="{43F7CCBF-BD53-7302-04D6-56C464CA6B23}"/>
+                <a16:creationId xmlns:a16="http://schemas.microsoft.com/office/drawing/2014/main" id="{70257305-E7FC-D647-3D5B-59F53D9D5CD0}"/>
               </a:ext>
             </a:extLst>
           </p:cNvPr>
@@ -2958,7 +2958,7 @@
           <p:cNvPr id="6" name="灯片编号占位符 5">
             <a:extLst>
               <a:ext uri="{FF2B5EF4-FFF2-40B4-BE49-F238E27FC236}">
-                <a16:creationId xmlns:a16="http://schemas.microsoft.com/office/drawing/2014/main" id="{E50C5286-414A-4D63-34DC-0581B2C963BE}"/>
+                <a16:creationId xmlns:a16="http://schemas.microsoft.com/office/drawing/2014/main" id="{0EF60DEC-394B-004E-6223-F8AD6CDBF6D4}"/>
               </a:ext>
             </a:extLst>
           </p:cNvPr>
@@ -2992,7 +2992,7 @@
             </a:lvl1pPr>
           </a:lstStyle>
           <a:p>
-            <a:fld id="{76070CE3-68DD-4FE7-BDF0-A4A128997FC1}" type="slidenum">
+            <a:fld id="{3845E19E-D715-49EA-83C1-543F6ED934BF}" type="slidenum">
               <a:rPr lang="zh-CN" altLang="en-US" smtClean="0"/>
               <a:t>‹#›</a:t>
             </a:fld>
@@ -3003,7 +3003,7 @@
     </p:spTree>
     <p:extLst>
       <p:ext uri="{BB962C8B-B14F-4D97-AF65-F5344CB8AC3E}">
-        <p14:creationId xmlns:p14="http://schemas.microsoft.com/office/powerpoint/2010/main" val="518661616"/>
+        <p14:creationId xmlns:p14="http://schemas.microsoft.com/office/powerpoint/2010/main" val="2951549258"/>
       </p:ext>
     </p:extLst>
   </p:cSld>
